--- a/presentation/CELFOCUS/OSINT - Beware your data is out there.pptx
+++ b/presentation/CELFOCUS/OSINT - Beware your data is out there.pptx
@@ -5843,6 +5843,36 @@
           </a:p>
         </p:txBody>
       </p:sp>
+      <p:pic>
+        <p:nvPicPr>
+          <p:cNvPr id="5" name="Picture 4">
+            <a:extLst>
+              <a:ext uri="{FF2B5EF4-FFF2-40B4-BE49-F238E27FC236}">
+                <a16:creationId xmlns:a16="http://schemas.microsoft.com/office/drawing/2014/main" id="{25E188FD-A069-0D5E-3F94-1FA8911F42BA}"/>
+              </a:ext>
+            </a:extLst>
+          </p:cNvPr>
+          <p:cNvPicPr>
+            <a:picLocks noChangeAspect="1"/>
+          </p:cNvPicPr>
+          <p:nvPr/>
+        </p:nvPicPr>
+        <p:blipFill>
+          <a:blip r:embed="rId2"/>
+          <a:stretch>
+            <a:fillRect/>
+          </a:stretch>
+        </p:blipFill>
+        <p:spPr>
+          <a:xfrm>
+            <a:off x="9572259" y="4228733"/>
+            <a:ext cx="2619741" cy="2629267"/>
+          </a:xfrm>
+          <a:prstGeom prst="rect">
+            <a:avLst/>
+          </a:prstGeom>
+        </p:spPr>
+      </p:pic>
     </p:spTree>
     <p:extLst>
       <p:ext uri="{BB962C8B-B14F-4D97-AF65-F5344CB8AC3E}">
@@ -11824,6 +11854,36 @@
           </a:p>
         </p:txBody>
       </p:sp>
+      <p:pic>
+        <p:nvPicPr>
+          <p:cNvPr id="6" name="Picture 5">
+            <a:extLst>
+              <a:ext uri="{FF2B5EF4-FFF2-40B4-BE49-F238E27FC236}">
+                <a16:creationId xmlns:a16="http://schemas.microsoft.com/office/drawing/2014/main" id="{EA78B46E-2FC2-248B-F004-7259A40528BF}"/>
+              </a:ext>
+            </a:extLst>
+          </p:cNvPr>
+          <p:cNvPicPr>
+            <a:picLocks noChangeAspect="1"/>
+          </p:cNvPicPr>
+          <p:nvPr/>
+        </p:nvPicPr>
+        <p:blipFill>
+          <a:blip r:embed="rId2"/>
+          <a:stretch>
+            <a:fillRect/>
+          </a:stretch>
+        </p:blipFill>
+        <p:spPr>
+          <a:xfrm>
+            <a:off x="9575467" y="4228733"/>
+            <a:ext cx="2619741" cy="2629267"/>
+          </a:xfrm>
+          <a:prstGeom prst="rect">
+            <a:avLst/>
+          </a:prstGeom>
+        </p:spPr>
+      </p:pic>
     </p:spTree>
     <p:extLst>
       <p:ext uri="{BB962C8B-B14F-4D97-AF65-F5344CB8AC3E}">

--- a/presentation/CELFOCUS/OSINT - Beware your data is out there.pptx
+++ b/presentation/CELFOCUS/OSINT - Beware your data is out there.pptx
@@ -12100,7 +12100,15 @@
             </a:pPr>
             <a:r>
               <a:rPr lang="en-US" cap="none" dirty="0"/>
-              <a:t>Information in this presentation is intended for educational and awareness purposes only.</a:t>
+              <a:t>Information in this presentation is intended for </a:t>
+            </a:r>
+            <a:r>
+              <a:rPr lang="en-US" b="1" u="sng" cap="none" dirty="0"/>
+              <a:t>educational and awareness purposes only</a:t>
+            </a:r>
+            <a:r>
+              <a:rPr lang="en-US" cap="none" dirty="0"/>
+              <a:t>.</a:t>
             </a:r>
           </a:p>
           <a:p>
